--- a/slides/Week8_Recap.pptx
+++ b/slides/Week8_Recap.pptx
@@ -2885,7 +2885,7 @@
   <pc:docChgLst>
     <pc:chgData name="Zhao Jin" userId="cd05a825-544c-438a-9ba1-08e63db50b47" providerId="ADAL" clId="{42CBC425-D3B9-4B8D-B8E2-D6C35D1DE04B}"/>
     <pc:docChg chg="undo redo custSel addSld delSld modSld sldOrd">
-      <pc:chgData name="Zhao Jin" userId="cd05a825-544c-438a-9ba1-08e63db50b47" providerId="ADAL" clId="{42CBC425-D3B9-4B8D-B8E2-D6C35D1DE04B}" dt="2024-03-19T00:59:41.154" v="2771" actId="404"/>
+      <pc:chgData name="Zhao Jin" userId="cd05a825-544c-438a-9ba1-08e63db50b47" providerId="ADAL" clId="{42CBC425-D3B9-4B8D-B8E2-D6C35D1DE04B}" dt="2024-03-19T03:49:11.589" v="2784" actId="20577"/>
       <pc:docMkLst>
         <pc:docMk/>
       </pc:docMkLst>
@@ -3984,13 +3984,13 @@
         </pc:cxnChg>
       </pc:sldChg>
       <pc:sldChg chg="delSp modSp add mod">
-        <pc:chgData name="Zhao Jin" userId="cd05a825-544c-438a-9ba1-08e63db50b47" providerId="ADAL" clId="{42CBC425-D3B9-4B8D-B8E2-D6C35D1DE04B}" dt="2024-03-19T00:32:51.314" v="2059" actId="6549"/>
+        <pc:chgData name="Zhao Jin" userId="cd05a825-544c-438a-9ba1-08e63db50b47" providerId="ADAL" clId="{42CBC425-D3B9-4B8D-B8E2-D6C35D1DE04B}" dt="2024-03-19T03:49:11.589" v="2784" actId="20577"/>
         <pc:sldMkLst>
           <pc:docMk/>
           <pc:sldMk cId="571008113" sldId="650"/>
         </pc:sldMkLst>
         <pc:spChg chg="mod">
-          <ac:chgData name="Zhao Jin" userId="cd05a825-544c-438a-9ba1-08e63db50b47" providerId="ADAL" clId="{42CBC425-D3B9-4B8D-B8E2-D6C35D1DE04B}" dt="2024-03-19T00:32:51.314" v="2059" actId="6549"/>
+          <ac:chgData name="Zhao Jin" userId="cd05a825-544c-438a-9ba1-08e63db50b47" providerId="ADAL" clId="{42CBC425-D3B9-4B8D-B8E2-D6C35D1DE04B}" dt="2024-03-19T03:49:11.589" v="2784" actId="20577"/>
           <ac:spMkLst>
             <pc:docMk/>
             <pc:sldMk cId="571008113" sldId="650"/>
@@ -24099,6 +24099,31 @@
               </a:rPr>
               <a:t>()</a:t>
             </a:r>
+          </a:p>
+          <a:p>
+            <a:pPr marL="800100" lvl="1" indent="-342900">
+              <a:buFont typeface="Wingdings" panose="05000000000000000000" pitchFamily="2" charset="2"/>
+              <a:buChar char="§"/>
+              <a:tabLst>
+                <a:tab pos="354013" algn="l"/>
+                <a:tab pos="720725" algn="l"/>
+                <a:tab pos="1074738" algn="l"/>
+                <a:tab pos="1439863" algn="l"/>
+              </a:tabLst>
+              <a:defRPr/>
+            </a:pPr>
+            <a:r>
+              <a:rPr lang="en-US" sz="2400" b="1">
+                <a:latin typeface="Courier New" pitchFamily="49" charset="0"/>
+              </a:rPr>
+              <a:t>putchar</a:t>
+            </a:r>
+            <a:r>
+              <a:rPr lang="en-US" sz="2400" b="1" dirty="0">
+                <a:latin typeface="Courier New" pitchFamily="49" charset="0"/>
+              </a:rPr>
+              <a:t>()</a:t>
+            </a:r>
             <a:endParaRPr lang="en-US" sz="2400" dirty="0"/>
           </a:p>
           <a:p>

--- a/slides/Week8_Recap.pptx
+++ b/slides/Week8_Recap.pptx
@@ -729,7 +729,7 @@
   <pc:docChgLst>
     <pc:chgData name="Zhao Jin" userId="cd05a825-544c-438a-9ba1-08e63db50b47" providerId="ADAL" clId="{0A664A9B-0716-4783-80B0-C58E252E0430}"/>
     <pc:docChg chg="modSld">
-      <pc:chgData name="Zhao Jin" userId="cd05a825-544c-438a-9ba1-08e63db50b47" providerId="ADAL" clId="{0A664A9B-0716-4783-80B0-C58E252E0430}" dt="2025-03-17T06:26:20.353" v="10" actId="1035"/>
+      <pc:chgData name="Zhao Jin" userId="cd05a825-544c-438a-9ba1-08e63db50b47" providerId="ADAL" clId="{0A664A9B-0716-4783-80B0-C58E252E0430}" dt="2025-03-18T03:35:30.669" v="11" actId="20577"/>
       <pc:docMkLst>
         <pc:docMk/>
       </pc:docMkLst>
@@ -768,6 +768,21 @@
             <pc:docMk/>
             <pc:sldMk cId="649273319" sldId="640"/>
             <ac:spMk id="34" creationId="{F16147FF-3A0D-315A-C6DB-897676941485}"/>
+          </ac:spMkLst>
+        </pc:spChg>
+      </pc:sldChg>
+      <pc:sldChg chg="modSp mod">
+        <pc:chgData name="Zhao Jin" userId="cd05a825-544c-438a-9ba1-08e63db50b47" providerId="ADAL" clId="{0A664A9B-0716-4783-80B0-C58E252E0430}" dt="2025-03-18T03:35:30.669" v="11" actId="20577"/>
+        <pc:sldMkLst>
+          <pc:docMk/>
+          <pc:sldMk cId="1235845528" sldId="647"/>
+        </pc:sldMkLst>
+        <pc:spChg chg="mod">
+          <ac:chgData name="Zhao Jin" userId="cd05a825-544c-438a-9ba1-08e63db50b47" providerId="ADAL" clId="{0A664A9B-0716-4783-80B0-C58E252E0430}" dt="2025-03-18T03:35:30.669" v="11" actId="20577"/>
+          <ac:spMkLst>
+            <pc:docMk/>
+            <pc:sldMk cId="1235845528" sldId="647"/>
+            <ac:spMk id="13" creationId="{2B89EFD4-1CE0-424E-8F8A-D7F3C08BDEC9}"/>
           </ac:spMkLst>
         </pc:spChg>
       </pc:sldChg>
@@ -2022,7 +2037,7 @@
               <a:pPr>
                 <a:defRPr/>
               </a:pPr>
-              <a:t>3/17/2025</a:t>
+              <a:t>3/18/2025</a:t>
             </a:fld>
             <a:endParaRPr lang="en-US"/>
           </a:p>
@@ -9520,11 +9535,11 @@
               <a:t>i</a:t>
             </a:r>
             <a:r>
-              <a:rPr lang="en-US" sz="2000" b="1" dirty="0">
-                <a:latin typeface="Courier New" panose="02070309020205020404" pitchFamily="49" charset="0"/>
-                <a:cs typeface="Courier New" panose="02070309020205020404" pitchFamily="49" charset="0"/>
-              </a:rPr>
-              <a:t> &lt;= </a:t>
+              <a:rPr lang="en-US" sz="2000" b="1">
+                <a:latin typeface="Courier New" panose="02070309020205020404" pitchFamily="49" charset="0"/>
+                <a:cs typeface="Courier New" panose="02070309020205020404" pitchFamily="49" charset="0"/>
+              </a:rPr>
+              <a:t> &lt; </a:t>
             </a:r>
             <a:r>
               <a:rPr lang="en-US" sz="2000" b="1" dirty="0">
